--- a/Slides/Lecture 1.pptx
+++ b/Slides/Lecture 1.pptx
@@ -2396,7 +2396,7 @@
           <a:p>
             <a:fld id="{1CB48AD5-CDAE-4B7B-B49D-6DB81FF5A179}" type="datetimeFigureOut">
               <a:rPr lang="en-US" smtClean="0"/>
-              <a:t>8/9/2020</a:t>
+              <a:t>8/4/2021</a:t>
             </a:fld>
             <a:endParaRPr lang="en-US"/>
           </a:p>
@@ -2810,7 +2810,7 @@
           <a:p>
             <a:fld id="{C4959B56-7D6D-462F-B061-93C9E323EE8A}" type="datetimeFigureOut">
               <a:rPr lang="en-US" smtClean="0"/>
-              <a:t>8/9/2020</a:t>
+              <a:t>8/4/2021</a:t>
             </a:fld>
             <a:endParaRPr lang="en-US"/>
           </a:p>
@@ -3008,7 +3008,7 @@
           <a:p>
             <a:fld id="{C4959B56-7D6D-462F-B061-93C9E323EE8A}" type="datetimeFigureOut">
               <a:rPr lang="en-US" smtClean="0"/>
-              <a:t>8/9/2020</a:t>
+              <a:t>8/4/2021</a:t>
             </a:fld>
             <a:endParaRPr lang="en-US"/>
           </a:p>
@@ -3216,7 +3216,7 @@
           <a:p>
             <a:fld id="{C4959B56-7D6D-462F-B061-93C9E323EE8A}" type="datetimeFigureOut">
               <a:rPr lang="en-US" smtClean="0"/>
-              <a:t>8/9/2020</a:t>
+              <a:t>8/4/2021</a:t>
             </a:fld>
             <a:endParaRPr lang="en-US"/>
           </a:p>
@@ -3414,7 +3414,7 @@
           <a:p>
             <a:fld id="{C4959B56-7D6D-462F-B061-93C9E323EE8A}" type="datetimeFigureOut">
               <a:rPr lang="en-US" smtClean="0"/>
-              <a:t>8/9/2020</a:t>
+              <a:t>8/4/2021</a:t>
             </a:fld>
             <a:endParaRPr lang="en-US"/>
           </a:p>
@@ -3689,7 +3689,7 @@
           <a:p>
             <a:fld id="{C4959B56-7D6D-462F-B061-93C9E323EE8A}" type="datetimeFigureOut">
               <a:rPr lang="en-US" smtClean="0"/>
-              <a:t>8/9/2020</a:t>
+              <a:t>8/4/2021</a:t>
             </a:fld>
             <a:endParaRPr lang="en-US"/>
           </a:p>
@@ -3954,7 +3954,7 @@
           <a:p>
             <a:fld id="{C4959B56-7D6D-462F-B061-93C9E323EE8A}" type="datetimeFigureOut">
               <a:rPr lang="en-US" smtClean="0"/>
-              <a:t>8/9/2020</a:t>
+              <a:t>8/4/2021</a:t>
             </a:fld>
             <a:endParaRPr lang="en-US"/>
           </a:p>
@@ -4366,7 +4366,7 @@
           <a:p>
             <a:fld id="{C4959B56-7D6D-462F-B061-93C9E323EE8A}" type="datetimeFigureOut">
               <a:rPr lang="en-US" smtClean="0"/>
-              <a:t>8/9/2020</a:t>
+              <a:t>8/4/2021</a:t>
             </a:fld>
             <a:endParaRPr lang="en-US"/>
           </a:p>
@@ -4507,7 +4507,7 @@
           <a:p>
             <a:fld id="{C4959B56-7D6D-462F-B061-93C9E323EE8A}" type="datetimeFigureOut">
               <a:rPr lang="en-US" smtClean="0"/>
-              <a:t>8/9/2020</a:t>
+              <a:t>8/4/2021</a:t>
             </a:fld>
             <a:endParaRPr lang="en-US"/>
           </a:p>
@@ -4620,7 +4620,7 @@
           <a:p>
             <a:fld id="{C4959B56-7D6D-462F-B061-93C9E323EE8A}" type="datetimeFigureOut">
               <a:rPr lang="en-US" smtClean="0"/>
-              <a:t>8/9/2020</a:t>
+              <a:t>8/4/2021</a:t>
             </a:fld>
             <a:endParaRPr lang="en-US"/>
           </a:p>
@@ -4931,7 +4931,7 @@
           <a:p>
             <a:fld id="{C4959B56-7D6D-462F-B061-93C9E323EE8A}" type="datetimeFigureOut">
               <a:rPr lang="en-US" smtClean="0"/>
-              <a:t>8/9/2020</a:t>
+              <a:t>8/4/2021</a:t>
             </a:fld>
             <a:endParaRPr lang="en-US"/>
           </a:p>
@@ -5219,7 +5219,7 @@
           <a:p>
             <a:fld id="{C4959B56-7D6D-462F-B061-93C9E323EE8A}" type="datetimeFigureOut">
               <a:rPr lang="en-US" smtClean="0"/>
-              <a:t>8/9/2020</a:t>
+              <a:t>8/4/2021</a:t>
             </a:fld>
             <a:endParaRPr lang="en-US"/>
           </a:p>
@@ -5460,7 +5460,7 @@
           <a:p>
             <a:fld id="{C4959B56-7D6D-462F-B061-93C9E323EE8A}" type="datetimeFigureOut">
               <a:rPr lang="en-US" smtClean="0"/>
-              <a:t>8/9/2020</a:t>
+              <a:t>8/4/2021</a:t>
             </a:fld>
             <a:endParaRPr lang="en-US"/>
           </a:p>
@@ -17489,8 +17489,8 @@
           </a:p>
         </p:txBody>
       </p:sp>
-      <mc:AlternateContent xmlns:mc="http://schemas.openxmlformats.org/markup-compatibility/2006" xmlns:a14="http://schemas.microsoft.com/office/drawing/2010/main">
-        <mc:Choice Requires="a14">
+      <mc:AlternateContent xmlns:mc="http://schemas.openxmlformats.org/markup-compatibility/2006">
+        <mc:Choice xmlns:a14="http://schemas.microsoft.com/office/drawing/2010/main" Requires="a14">
           <p:sp>
             <p:nvSpPr>
               <p:cNvPr id="3" name="Content Placeholder 2">
@@ -17615,23 +17615,7 @@
                       <a:schemeClr val="accent1"/>
                     </a:solidFill>
                   </a:rPr>
-                  <a:t>as input and returning </a:t>
-                </a:r>
-                <a:r>
-                  <a:rPr lang="en-US">
-                    <a:solidFill>
-                      <a:schemeClr val="accent1"/>
-                    </a:solidFill>
-                  </a:rPr>
-                  <a:t>a </a:t>
-                </a:r>
-                <a:r>
-                  <a:rPr lang="en-US" b="1" i="1">
-                    <a:solidFill>
-                      <a:schemeClr val="accent1"/>
-                    </a:solidFill>
-                  </a:rPr>
-                  <a:t>real </a:t>
+                  <a:t>as input and returning a </a:t>
                 </a:r>
                 <a:r>
                   <a:rPr lang="en-US" b="1" i="1" dirty="0">
@@ -17639,7 +17623,7 @@
                       <a:schemeClr val="accent1"/>
                     </a:solidFill>
                   </a:rPr>
-                  <a:t>number</a:t>
+                  <a:t>real number</a:t>
                 </a:r>
                 <a:r>
                   <a:rPr lang="en-US" dirty="0">
@@ -17805,36 +17789,6 @@
                   </a:solidFill>
                   <a:latin typeface="+mj-lt"/>
                   <a:ea typeface="Cambria Math" panose="02040503050406030204" pitchFamily="18" charset="0"/>
-                </a:endParaRPr>
-              </a:p>
-              <a:p>
-                <a:pPr marL="0" indent="0">
-                  <a:buNone/>
-                </a:pPr>
-                <a14:m>
-                  <m:oMathPara xmlns:m="http://schemas.openxmlformats.org/officeDocument/2006/math">
-                    <m:oMathParaPr>
-                      <m:jc m:val="centerGroup"/>
-                    </m:oMathParaPr>
-                    <m:oMath xmlns:m="http://schemas.openxmlformats.org/officeDocument/2006/math">
-                      <m:r>
-                        <a:rPr lang="en-US" b="0" i="1" smtClean="0">
-                          <a:solidFill>
-                            <a:schemeClr val="tx1"/>
-                          </a:solidFill>
-                          <a:latin typeface="Cambria Math" panose="02040503050406030204" pitchFamily="18" charset="0"/>
-                          <a:ea typeface="Cambria Math" panose="02040503050406030204" pitchFamily="18" charset="0"/>
-                        </a:rPr>
-                        <m:t>}</m:t>
-                      </m:r>
-                    </m:oMath>
-                  </m:oMathPara>
-                </a14:m>
-                <a:endParaRPr lang="en-US" dirty="0">
-                  <a:solidFill>
-                    <a:schemeClr val="tx1"/>
-                  </a:solidFill>
-                  <a:latin typeface="+mj-lt"/>
                 </a:endParaRPr>
               </a:p>
               <a:p>
@@ -18105,9 +18059,22 @@
                           </m:d>
                         </m:e>
                       </m:d>
+                      <m:r>
+                        <a:rPr lang="en-US" i="1">
+                          <a:latin typeface="Cambria Math" panose="02040503050406030204" pitchFamily="18" charset="0"/>
+                          <a:ea typeface="Cambria Math" panose="02040503050406030204" pitchFamily="18" charset="0"/>
+                        </a:rPr>
+                        <m:t>}</m:t>
+                      </m:r>
                     </m:oMath>
                   </m:oMathPara>
                 </a14:m>
+                <a:endParaRPr lang="en-US" dirty="0"/>
+              </a:p>
+              <a:p>
+                <a:pPr marL="0" indent="0">
+                  <a:buNone/>
+                </a:pPr>
                 <a:endParaRPr lang="en-US" dirty="0">
                   <a:latin typeface="+mj-lt"/>
                 </a:endParaRPr>
@@ -18482,7 +18449,7 @@
             </p:txBody>
           </p:sp>
         </mc:Choice>
-        <mc:Fallback xmlns="">
+        <mc:Fallback>
           <p:sp>
             <p:nvSpPr>
               <p:cNvPr id="3" name="Content Placeholder 2">
@@ -18507,7 +18474,7 @@
               <a:blipFill>
                 <a:blip r:embed="rId2"/>
                 <a:stretch>
-                  <a:fillRect l="-1159" t="-2241" r="-1391"/>
+                  <a:fillRect l="-1159" t="-2241" r="-1391" b="-1261"/>
                 </a:stretch>
               </a:blipFill>
             </p:spPr>
@@ -31171,8 +31138,8 @@
           </a:p>
         </p:txBody>
       </p:sp>
-      <mc:AlternateContent xmlns:mc="http://schemas.openxmlformats.org/markup-compatibility/2006" xmlns:a14="http://schemas.microsoft.com/office/drawing/2010/main">
-        <mc:Choice Requires="a14">
+      <mc:AlternateContent xmlns:mc="http://schemas.openxmlformats.org/markup-compatibility/2006">
+        <mc:Choice xmlns:a14="http://schemas.microsoft.com/office/drawing/2010/main" Requires="a14">
           <p:sp>
             <p:nvSpPr>
               <p:cNvPr id="8" name="Content Placeholder 2">
@@ -31479,36 +31446,6 @@
                   </a:solidFill>
                   <a:latin typeface="+mj-lt"/>
                   <a:ea typeface="Cambria Math" panose="02040503050406030204" pitchFamily="18" charset="0"/>
-                </a:endParaRPr>
-              </a:p>
-              <a:p>
-                <a:pPr marL="0" indent="0">
-                  <a:buNone/>
-                </a:pPr>
-                <a14:m>
-                  <m:oMathPara xmlns:m="http://schemas.openxmlformats.org/officeDocument/2006/math">
-                    <m:oMathParaPr>
-                      <m:jc m:val="centerGroup"/>
-                    </m:oMathParaPr>
-                    <m:oMath xmlns:m="http://schemas.openxmlformats.org/officeDocument/2006/math">
-                      <m:r>
-                        <a:rPr lang="en-US" b="0" i="1" smtClean="0">
-                          <a:solidFill>
-                            <a:schemeClr val="tx1"/>
-                          </a:solidFill>
-                          <a:latin typeface="Cambria Math" panose="02040503050406030204" pitchFamily="18" charset="0"/>
-                          <a:ea typeface="Cambria Math" panose="02040503050406030204" pitchFamily="18" charset="0"/>
-                        </a:rPr>
-                        <m:t>}</m:t>
-                      </m:r>
-                    </m:oMath>
-                  </m:oMathPara>
-                </a14:m>
-                <a:endParaRPr lang="en-US" dirty="0">
-                  <a:solidFill>
-                    <a:schemeClr val="tx1"/>
-                  </a:solidFill>
-                  <a:latin typeface="+mj-lt"/>
                 </a:endParaRPr>
               </a:p>
               <a:p>
@@ -31777,9 +31714,22 @@
                           </m:d>
                         </m:e>
                       </m:d>
+                      <m:r>
+                        <a:rPr lang="en-US" i="1">
+                          <a:latin typeface="Cambria Math" panose="02040503050406030204" pitchFamily="18" charset="0"/>
+                          <a:ea typeface="Cambria Math" panose="02040503050406030204" pitchFamily="18" charset="0"/>
+                        </a:rPr>
+                        <m:t>}</m:t>
+                      </m:r>
                     </m:oMath>
                   </m:oMathPara>
                 </a14:m>
+                <a:endParaRPr lang="en-US" dirty="0"/>
+              </a:p>
+              <a:p>
+                <a:pPr marL="0" indent="0">
+                  <a:buNone/>
+                </a:pPr>
                 <a:endParaRPr lang="en-US" dirty="0">
                   <a:latin typeface="+mj-lt"/>
                 </a:endParaRPr>
@@ -32157,7 +32107,7 @@
             </p:txBody>
           </p:sp>
         </mc:Choice>
-        <mc:Fallback xmlns="">
+        <mc:Fallback>
           <p:sp>
             <p:nvSpPr>
               <p:cNvPr id="8" name="Content Placeholder 2">
@@ -32182,7 +32132,7 @@
               <a:blipFill>
                 <a:blip r:embed="rId2"/>
                 <a:stretch>
-                  <a:fillRect l="-1159" t="-2241" r="-1333"/>
+                  <a:fillRect l="-1159" t="-2241" r="-1333" b="-1261"/>
                 </a:stretch>
               </a:blipFill>
             </p:spPr>

--- a/Slides/Lecture 1.pptx
+++ b/Slides/Lecture 1.pptx
@@ -2396,7 +2396,7 @@
           <a:p>
             <a:fld id="{1CB48AD5-CDAE-4B7B-B49D-6DB81FF5A179}" type="datetimeFigureOut">
               <a:rPr lang="en-US" smtClean="0"/>
-              <a:t>8/4/2021</a:t>
+              <a:t>8/5/2021</a:t>
             </a:fld>
             <a:endParaRPr lang="en-US"/>
           </a:p>
@@ -2810,7 +2810,7 @@
           <a:p>
             <a:fld id="{C4959B56-7D6D-462F-B061-93C9E323EE8A}" type="datetimeFigureOut">
               <a:rPr lang="en-US" smtClean="0"/>
-              <a:t>8/4/2021</a:t>
+              <a:t>8/5/2021</a:t>
             </a:fld>
             <a:endParaRPr lang="en-US"/>
           </a:p>
@@ -3008,7 +3008,7 @@
           <a:p>
             <a:fld id="{C4959B56-7D6D-462F-B061-93C9E323EE8A}" type="datetimeFigureOut">
               <a:rPr lang="en-US" smtClean="0"/>
-              <a:t>8/4/2021</a:t>
+              <a:t>8/5/2021</a:t>
             </a:fld>
             <a:endParaRPr lang="en-US"/>
           </a:p>
@@ -3216,7 +3216,7 @@
           <a:p>
             <a:fld id="{C4959B56-7D6D-462F-B061-93C9E323EE8A}" type="datetimeFigureOut">
               <a:rPr lang="en-US" smtClean="0"/>
-              <a:t>8/4/2021</a:t>
+              <a:t>8/5/2021</a:t>
             </a:fld>
             <a:endParaRPr lang="en-US"/>
           </a:p>
@@ -3414,7 +3414,7 @@
           <a:p>
             <a:fld id="{C4959B56-7D6D-462F-B061-93C9E323EE8A}" type="datetimeFigureOut">
               <a:rPr lang="en-US" smtClean="0"/>
-              <a:t>8/4/2021</a:t>
+              <a:t>8/5/2021</a:t>
             </a:fld>
             <a:endParaRPr lang="en-US"/>
           </a:p>
@@ -3689,7 +3689,7 @@
           <a:p>
             <a:fld id="{C4959B56-7D6D-462F-B061-93C9E323EE8A}" type="datetimeFigureOut">
               <a:rPr lang="en-US" smtClean="0"/>
-              <a:t>8/4/2021</a:t>
+              <a:t>8/5/2021</a:t>
             </a:fld>
             <a:endParaRPr lang="en-US"/>
           </a:p>
@@ -3954,7 +3954,7 @@
           <a:p>
             <a:fld id="{C4959B56-7D6D-462F-B061-93C9E323EE8A}" type="datetimeFigureOut">
               <a:rPr lang="en-US" smtClean="0"/>
-              <a:t>8/4/2021</a:t>
+              <a:t>8/5/2021</a:t>
             </a:fld>
             <a:endParaRPr lang="en-US"/>
           </a:p>
@@ -4366,7 +4366,7 @@
           <a:p>
             <a:fld id="{C4959B56-7D6D-462F-B061-93C9E323EE8A}" type="datetimeFigureOut">
               <a:rPr lang="en-US" smtClean="0"/>
-              <a:t>8/4/2021</a:t>
+              <a:t>8/5/2021</a:t>
             </a:fld>
             <a:endParaRPr lang="en-US"/>
           </a:p>
@@ -4507,7 +4507,7 @@
           <a:p>
             <a:fld id="{C4959B56-7D6D-462F-B061-93C9E323EE8A}" type="datetimeFigureOut">
               <a:rPr lang="en-US" smtClean="0"/>
-              <a:t>8/4/2021</a:t>
+              <a:t>8/5/2021</a:t>
             </a:fld>
             <a:endParaRPr lang="en-US"/>
           </a:p>
@@ -4620,7 +4620,7 @@
           <a:p>
             <a:fld id="{C4959B56-7D6D-462F-B061-93C9E323EE8A}" type="datetimeFigureOut">
               <a:rPr lang="en-US" smtClean="0"/>
-              <a:t>8/4/2021</a:t>
+              <a:t>8/5/2021</a:t>
             </a:fld>
             <a:endParaRPr lang="en-US"/>
           </a:p>
@@ -4931,7 +4931,7 @@
           <a:p>
             <a:fld id="{C4959B56-7D6D-462F-B061-93C9E323EE8A}" type="datetimeFigureOut">
               <a:rPr lang="en-US" smtClean="0"/>
-              <a:t>8/4/2021</a:t>
+              <a:t>8/5/2021</a:t>
             </a:fld>
             <a:endParaRPr lang="en-US"/>
           </a:p>
@@ -5219,7 +5219,7 @@
           <a:p>
             <a:fld id="{C4959B56-7D6D-462F-B061-93C9E323EE8A}" type="datetimeFigureOut">
               <a:rPr lang="en-US" smtClean="0"/>
-              <a:t>8/4/2021</a:t>
+              <a:t>8/5/2021</a:t>
             </a:fld>
             <a:endParaRPr lang="en-US"/>
           </a:p>
@@ -5460,7 +5460,7 @@
           <a:p>
             <a:fld id="{C4959B56-7D6D-462F-B061-93C9E323EE8A}" type="datetimeFigureOut">
               <a:rPr lang="en-US" smtClean="0"/>
-              <a:t>8/4/2021</a:t>
+              <a:t>8/5/2021</a:t>
             </a:fld>
             <a:endParaRPr lang="en-US"/>
           </a:p>
@@ -17489,8 +17489,8 @@
           </a:p>
         </p:txBody>
       </p:sp>
-      <mc:AlternateContent xmlns:mc="http://schemas.openxmlformats.org/markup-compatibility/2006">
-        <mc:Choice xmlns:a14="http://schemas.microsoft.com/office/drawing/2010/main" Requires="a14">
+      <mc:AlternateContent xmlns:mc="http://schemas.openxmlformats.org/markup-compatibility/2006" xmlns:a14="http://schemas.microsoft.com/office/drawing/2010/main">
+        <mc:Choice Requires="a14">
           <p:sp>
             <p:nvSpPr>
               <p:cNvPr id="3" name="Content Placeholder 2">
@@ -18449,7 +18449,7 @@
             </p:txBody>
           </p:sp>
         </mc:Choice>
-        <mc:Fallback>
+        <mc:Fallback xmlns="">
           <p:sp>
             <p:nvSpPr>
               <p:cNvPr id="3" name="Content Placeholder 2">
@@ -21442,7 +21442,7 @@
                   <a:schemeClr val="accent1"/>
                 </a:solidFill>
               </a:rPr>
-              <a:t>Yet another little harder claim</a:t>
+              <a:t>Another approach</a:t>
             </a:r>
           </a:p>
         </p:txBody>
@@ -31138,8 +31138,8 @@
           </a:p>
         </p:txBody>
       </p:sp>
-      <mc:AlternateContent xmlns:mc="http://schemas.openxmlformats.org/markup-compatibility/2006">
-        <mc:Choice xmlns:a14="http://schemas.microsoft.com/office/drawing/2010/main" Requires="a14">
+      <mc:AlternateContent xmlns:mc="http://schemas.openxmlformats.org/markup-compatibility/2006" xmlns:a14="http://schemas.microsoft.com/office/drawing/2010/main">
+        <mc:Choice Requires="a14">
           <p:sp>
             <p:nvSpPr>
               <p:cNvPr id="8" name="Content Placeholder 2">
@@ -32107,7 +32107,7 @@
             </p:txBody>
           </p:sp>
         </mc:Choice>
-        <mc:Fallback>
+        <mc:Fallback xmlns="">
           <p:sp>
             <p:nvSpPr>
               <p:cNvPr id="8" name="Content Placeholder 2">
@@ -43537,7 +43537,15 @@
                   <a:schemeClr val="accent1"/>
                 </a:solidFill>
               </a:rPr>
-              <a:t> functions require </a:t>
+              <a:t> </a:t>
+            </a:r>
+            <a:r>
+              <a:rPr lang="en-US" sz="2800">
+                <a:solidFill>
+                  <a:schemeClr val="accent1"/>
+                </a:solidFill>
+              </a:rPr>
+              <a:t>functions may require </a:t>
             </a:r>
             <a:r>
               <a:rPr lang="en-US" sz="2800" b="1" i="1" dirty="0">

--- a/Slides/Lecture 1.pptx
+++ b/Slides/Lecture 1.pptx
@@ -5971,7 +5971,7 @@
                   <a:schemeClr val="accent1"/>
                 </a:solidFill>
               </a:rPr>
-              <a:t>Software Systems Engineering</a:t>
+              <a:t>Electrical and Computer Engineering (ECE)</a:t>
             </a:r>
           </a:p>
           <a:p>
@@ -15315,28 +15315,7 @@
                   <a:schemeClr val="accent1"/>
                 </a:solidFill>
               </a:rPr>
-              <a:t>802/806</a:t>
-            </a:r>
-          </a:p>
-          <a:p>
-            <a:pPr marL="0" indent="0">
-              <a:buNone/>
-            </a:pPr>
-            <a:r>
-              <a:rPr lang="en-US" dirty="0">
-                <a:solidFill>
-                  <a:schemeClr val="accent2"/>
-                </a:solidFill>
-              </a:rPr>
-              <a:t>       </a:t>
-            </a:r>
-            <a:r>
-              <a:rPr lang="en-US" dirty="0">
-                <a:solidFill>
-                  <a:schemeClr val="accent1"/>
-                </a:solidFill>
-              </a:rPr>
-              <a:t>you will more likely find me in 806</a:t>
+              <a:t>401</a:t>
             </a:r>
           </a:p>
           <a:p>

--- a/Slides/Lecture 1.pptx
+++ b/Slides/Lecture 1.pptx
@@ -39928,8 +39928,8 @@
           </p:sp>
         </mc:Fallback>
       </mc:AlternateContent>
-      <mc:AlternateContent xmlns:mc="http://schemas.openxmlformats.org/markup-compatibility/2006" xmlns:a14="http://schemas.microsoft.com/office/drawing/2010/main">
-        <mc:Choice Requires="a14">
+      <mc:AlternateContent xmlns:mc="http://schemas.openxmlformats.org/markup-compatibility/2006">
+        <mc:Choice xmlns:a14="http://schemas.microsoft.com/office/drawing/2010/main" Requires="a14">
           <p:sp>
             <p:nvSpPr>
               <p:cNvPr id="3" name="Content Placeholder 2">
@@ -40024,7 +40024,7 @@
                     <m:f>
                       <m:fPr>
                         <m:ctrlPr>
-                          <a:rPr lang="en-US" sz="11200" i="1">
+                          <a:rPr lang="en-US" sz="11200" i="1" smtClean="0">
                             <a:latin typeface="Cambria Math" panose="02040503050406030204" pitchFamily="18" charset="0"/>
                           </a:rPr>
                         </m:ctrlPr>
@@ -40047,10 +40047,10 @@
                       </m:den>
                     </m:f>
                     <m:r>
-                      <a:rPr lang="en-US" sz="11200" b="0" i="0" smtClean="0">
-                        <a:latin typeface="Cambria Math" panose="02040503050406030204" pitchFamily="18" charset="0"/>
-                      </a:rPr>
-                      <m:t>≥</m:t>
+                      <a:rPr lang="en-US" sz="11200" b="0" i="1" smtClean="0">
+                        <a:latin typeface="Cambria Math" panose="02040503050406030204" pitchFamily="18" charset="0"/>
+                      </a:rPr>
+                      <m:t>≤</m:t>
                     </m:r>
                     <m:sSub>
                       <m:sSubPr>
@@ -40240,10 +40240,16 @@
                       </m:e>
                     </m:d>
                     <m:r>
+                      <a:rPr lang="en-US" sz="11200" b="0" i="0" smtClean="0">
+                        <a:latin typeface="Cambria Math" panose="02040503050406030204" pitchFamily="18" charset="0"/>
+                      </a:rPr>
+                      <m:t>≤</m:t>
+                    </m:r>
+                    <m:r>
                       <a:rPr lang="en-US" sz="11200">
                         <a:latin typeface="Cambria Math" panose="02040503050406030204" pitchFamily="18" charset="0"/>
                       </a:rPr>
-                      <m:t>≥6</m:t>
+                      <m:t>6</m:t>
                     </m:r>
                   </m:oMath>
                 </a14:m>
@@ -40769,7 +40775,7 @@
             </p:txBody>
           </p:sp>
         </mc:Choice>
-        <mc:Fallback xmlns="">
+        <mc:Fallback>
           <p:sp>
             <p:nvSpPr>
               <p:cNvPr id="3" name="Content Placeholder 2">
@@ -40794,7 +40800,7 @@
               <a:blipFill>
                 <a:blip r:embed="rId3"/>
                 <a:stretch>
-                  <a:fillRect l="-1133" b="-1294"/>
+                  <a:fillRect l="-1133" b="-588"/>
                 </a:stretch>
               </a:blipFill>
             </p:spPr>
